--- a/課題研究/2015/辻岡大知/1342081 ポスター.pptx
+++ b/課題研究/2015/辻岡大知/1342081 ポスター.pptx
@@ -4039,7 +4039,7 @@
         <p:spPr>
           <a:xfrm>
             <a:off x="828303" y="5805678"/>
-            <a:ext cx="8257389" cy="2862322"/>
+            <a:ext cx="7882351" cy="3046988"/>
           </a:xfrm>
           <a:prstGeom prst="rect">
             <a:avLst/>
@@ -4053,46 +4053,50 @@
           <a:lstStyle/>
           <a:p>
             <a:r>
-              <a:rPr kumimoji="1" lang="ja-JP" altLang="en-US" sz="3600" dirty="0" smtClean="0"/>
+              <a:rPr kumimoji="1" lang="ja-JP" altLang="en-US" sz="4000" dirty="0" smtClean="0"/>
               <a:t>日々</a:t>
             </a:r>
             <a:r>
-              <a:rPr kumimoji="1" lang="en-US" altLang="ja-JP" sz="3600" dirty="0" smtClean="0"/>
-              <a:t>SNS</a:t>
-            </a:r>
-            <a:r>
-              <a:rPr kumimoji="1" lang="ja-JP" altLang="en-US" sz="3600" dirty="0" smtClean="0"/>
-              <a:t>やブログでは悪質な投稿がされ，</a:t>
-            </a:r>
+              <a:rPr kumimoji="1" lang="en-US" altLang="ja-JP" sz="4000" dirty="0" smtClean="0"/>
+              <a:t>twitter</a:t>
+            </a:r>
+            <a:r>
+              <a:rPr kumimoji="1" lang="ja-JP" altLang="en-US" sz="4000" dirty="0" smtClean="0"/>
+              <a:t>で</a:t>
+            </a:r>
+            <a:r>
+              <a:rPr kumimoji="1" lang="ja-JP" altLang="en-US" sz="4000" dirty="0" smtClean="0"/>
+              <a:t>は悪質な投稿がされ，</a:t>
+            </a:r>
+            <a:endParaRPr kumimoji="1" lang="en-US" altLang="ja-JP" sz="4000" dirty="0" smtClean="0"/>
+          </a:p>
+          <a:p>
+            <a:r>
+              <a:rPr lang="ja-JP" altLang="en-US" sz="4000" dirty="0"/>
+              <a:t>炎上</a:t>
+            </a:r>
+            <a:r>
+              <a:rPr lang="ja-JP" altLang="en-US" sz="4000" dirty="0" smtClean="0"/>
+              <a:t>している．</a:t>
+            </a:r>
+            <a:endParaRPr lang="en-US" altLang="ja-JP" sz="4000" dirty="0" smtClean="0"/>
+          </a:p>
+          <a:p>
+            <a:endParaRPr lang="en-US" altLang="ja-JP" sz="3600" dirty="0"/>
+          </a:p>
+          <a:p>
             <a:endParaRPr kumimoji="1" lang="en-US" altLang="ja-JP" sz="3600" dirty="0" smtClean="0"/>
           </a:p>
           <a:p>
             <a:r>
-              <a:rPr lang="ja-JP" altLang="en-US" sz="3600" dirty="0"/>
+              <a:rPr lang="ja-JP" altLang="en-US" sz="4000" dirty="0"/>
               <a:t>炎上</a:t>
             </a:r>
             <a:r>
-              <a:rPr lang="ja-JP" altLang="en-US" sz="3600" dirty="0" smtClean="0"/>
-              <a:t>している．</a:t>
-            </a:r>
-            <a:endParaRPr lang="en-US" altLang="ja-JP" sz="3600" dirty="0" smtClean="0"/>
-          </a:p>
-          <a:p>
-            <a:endParaRPr lang="en-US" altLang="ja-JP" sz="3600" dirty="0"/>
-          </a:p>
-          <a:p>
-            <a:endParaRPr kumimoji="1" lang="en-US" altLang="ja-JP" sz="3600" dirty="0" smtClean="0"/>
-          </a:p>
-          <a:p>
-            <a:r>
-              <a:rPr lang="ja-JP" altLang="en-US" sz="3600" dirty="0"/>
-              <a:t>炎上</a:t>
-            </a:r>
-            <a:r>
-              <a:rPr lang="ja-JP" altLang="en-US" sz="3600" dirty="0" smtClean="0"/>
+              <a:rPr lang="ja-JP" altLang="en-US" sz="4000" dirty="0" smtClean="0"/>
               <a:t>を起こしている人を特定する．</a:t>
             </a:r>
-            <a:endParaRPr kumimoji="1" lang="en-US" altLang="ja-JP" sz="3600" dirty="0" smtClean="0"/>
+            <a:endParaRPr kumimoji="1" lang="en-US" altLang="ja-JP" sz="4000" dirty="0" smtClean="0"/>
           </a:p>
         </p:txBody>
       </p:sp>
@@ -4422,7 +4426,7 @@
         <p:spPr>
           <a:xfrm>
             <a:off x="789435" y="11128433"/>
-            <a:ext cx="19276431" cy="1323439"/>
+            <a:ext cx="18668893" cy="1323439"/>
           </a:xfrm>
           <a:prstGeom prst="rect">
             <a:avLst/>
@@ -4445,7 +4449,11 @@
             </a:r>
             <a:r>
               <a:rPr kumimoji="1" lang="ja-JP" altLang="en-US" sz="4000" dirty="0" smtClean="0"/>
-              <a:t>ツイートをリツイートしているユーザの特定</a:t>
+              <a:t>ツイートをリツイートしている</a:t>
+            </a:r>
+            <a:r>
+              <a:rPr kumimoji="1" lang="ja-JP" altLang="en-US" sz="4000" dirty="0" smtClean="0"/>
+              <a:t>ユーザを特定</a:t>
             </a:r>
             <a:r>
               <a:rPr lang="ja-JP" altLang="en-US" sz="4000" dirty="0" smtClean="0"/>
@@ -5256,11 +5264,15 @@
           <a:p>
             <a:r>
               <a:rPr kumimoji="1" lang="en-US" altLang="ja-JP" sz="4000" dirty="0" smtClean="0"/>
-              <a:t>1</a:t>
+              <a:t>1.</a:t>
             </a:r>
             <a:r>
               <a:rPr kumimoji="1" lang="ja-JP" altLang="en-US" sz="4000" dirty="0" smtClean="0"/>
-              <a:t>自動で炎上ツイートを取得できるようにする</a:t>
+              <a:t>自動</a:t>
+            </a:r>
+            <a:r>
+              <a:rPr kumimoji="1" lang="ja-JP" altLang="en-US" sz="4000" dirty="0" smtClean="0"/>
+              <a:t>で炎上ツイートを取得できるようにする</a:t>
             </a:r>
             <a:r>
               <a:rPr lang="ja-JP" altLang="en-US" sz="4000" dirty="0" smtClean="0"/>
@@ -5271,26 +5283,30 @@
           <a:p>
             <a:r>
               <a:rPr lang="en-US" altLang="ja-JP" sz="4000" dirty="0" smtClean="0"/>
-              <a:t>2</a:t>
-            </a:r>
-            <a:r>
-              <a:rPr lang="ja-JP" altLang="en-US" sz="4000" dirty="0"/>
-              <a:t>多</a:t>
+              <a:t>2.</a:t>
             </a:r>
             <a:r>
               <a:rPr lang="ja-JP" altLang="en-US" sz="4000" dirty="0" smtClean="0"/>
-              <a:t>くの炎上をリツイートしているユーザの特定をする．</a:t>
+              <a:t>多く</a:t>
+            </a:r>
+            <a:r>
+              <a:rPr lang="ja-JP" altLang="en-US" sz="4000" dirty="0" smtClean="0"/>
+              <a:t>の炎上をリツイートしているユーザの特定をする．</a:t>
             </a:r>
             <a:endParaRPr lang="en-US" altLang="ja-JP" sz="4000" dirty="0" smtClean="0"/>
           </a:p>
           <a:p>
             <a:r>
               <a:rPr kumimoji="1" lang="en-US" altLang="ja-JP" sz="4000" dirty="0" smtClean="0"/>
-              <a:t>3</a:t>
+              <a:t>3.</a:t>
             </a:r>
             <a:r>
               <a:rPr kumimoji="1" lang="ja-JP" altLang="en-US" sz="4000" dirty="0" smtClean="0"/>
-              <a:t>論文の執筆を行う．</a:t>
+              <a:t>論文</a:t>
+            </a:r>
+            <a:r>
+              <a:rPr kumimoji="1" lang="ja-JP" altLang="en-US" sz="4000" dirty="0" smtClean="0"/>
+              <a:t>の執筆を行う．</a:t>
             </a:r>
             <a:endParaRPr kumimoji="1" lang="en-US" altLang="ja-JP" sz="4000" dirty="0" smtClean="0"/>
           </a:p>
@@ -5386,7 +5402,7 @@
         <p:spPr>
           <a:xfrm>
             <a:off x="10863164" y="18968130"/>
-            <a:ext cx="9776320" cy="1120761"/>
+            <a:ext cx="9776320" cy="1541163"/>
           </a:xfrm>
           <a:prstGeom prst="roundRect">
             <a:avLst/>
@@ -5432,7 +5448,7 @@
         <p:spPr>
           <a:xfrm>
             <a:off x="11208617" y="19185854"/>
-            <a:ext cx="8857249" cy="646331"/>
+            <a:ext cx="8857249" cy="1323439"/>
           </a:xfrm>
           <a:prstGeom prst="rect">
             <a:avLst/>
@@ -5446,14 +5462,29 @@
           <a:lstStyle/>
           <a:p>
             <a:r>
-              <a:rPr kumimoji="1" lang="en-US" altLang="ja-JP" sz="3600" dirty="0" err="1" smtClean="0"/>
+              <a:rPr kumimoji="1" lang="en-US" altLang="ja-JP" sz="4000" dirty="0" err="1" smtClean="0"/>
               <a:t>twitterAPI</a:t>
             </a:r>
             <a:r>
-              <a:rPr kumimoji="1" lang="ja-JP" altLang="en-US" sz="3600" dirty="0" smtClean="0"/>
-              <a:t>を使用できるプログラムを作成した．</a:t>
-            </a:r>
-            <a:endParaRPr kumimoji="1" lang="ja-JP" altLang="en-US" sz="3600" dirty="0"/>
+              <a:rPr kumimoji="1" lang="ja-JP" altLang="en-US" sz="4000" dirty="0" smtClean="0"/>
+              <a:t>を使用できるプログラム</a:t>
+            </a:r>
+            <a:r>
+              <a:rPr kumimoji="1" lang="ja-JP" altLang="en-US" sz="4000" dirty="0" smtClean="0"/>
+              <a:t>を</a:t>
+            </a:r>
+            <a:endParaRPr kumimoji="1" lang="en-US" altLang="ja-JP" sz="4000" dirty="0" smtClean="0"/>
+          </a:p>
+          <a:p>
+            <a:r>
+              <a:rPr kumimoji="1" lang="ja-JP" altLang="en-US" sz="4000" dirty="0" smtClean="0"/>
+              <a:t>作成</a:t>
+            </a:r>
+            <a:r>
+              <a:rPr kumimoji="1" lang="ja-JP" altLang="en-US" sz="4000" dirty="0" smtClean="0"/>
+              <a:t>した．</a:t>
+            </a:r>
+            <a:endParaRPr kumimoji="1" lang="ja-JP" altLang="en-US" sz="4000" dirty="0"/>
           </a:p>
         </p:txBody>
       </p:sp>
@@ -5465,7 +5496,7 @@
         </p:nvSpPr>
         <p:spPr>
           <a:xfrm>
-            <a:off x="10863164" y="20637418"/>
+            <a:off x="10863164" y="20822002"/>
             <a:ext cx="9767340" cy="1328670"/>
           </a:xfrm>
           <a:prstGeom prst="roundRect">
@@ -5511,8 +5542,8 @@
         </p:nvSpPr>
         <p:spPr>
           <a:xfrm>
-            <a:off x="11313719" y="20978587"/>
-            <a:ext cx="8703086" cy="646331"/>
+            <a:off x="11313719" y="21132394"/>
+            <a:ext cx="8703086" cy="707886"/>
           </a:xfrm>
           <a:prstGeom prst="rect">
             <a:avLst/>
@@ -5526,22 +5557,22 @@
           <a:lstStyle/>
           <a:p>
             <a:r>
-              <a:rPr kumimoji="1" lang="en-US" altLang="ja-JP" sz="3600" dirty="0" smtClean="0"/>
+              <a:rPr lang="en-US" altLang="ja-JP" sz="4000" dirty="0" smtClean="0"/>
               <a:t>5</a:t>
             </a:r>
             <a:r>
-              <a:rPr kumimoji="1" lang="ja-JP" altLang="en-US" sz="3600" dirty="0" err="1" smtClean="0"/>
+              <a:rPr kumimoji="1" lang="ja-JP" altLang="en-US" sz="4000" dirty="0" err="1" smtClean="0"/>
               <a:t>つの</a:t>
             </a:r>
             <a:r>
-              <a:rPr kumimoji="1" lang="ja-JP" altLang="en-US" sz="3600" dirty="0" smtClean="0"/>
+              <a:rPr kumimoji="1" lang="ja-JP" altLang="en-US" sz="4000" dirty="0" smtClean="0"/>
               <a:t>炎上ツイートを集め</a:t>
             </a:r>
             <a:r>
-              <a:rPr lang="ja-JP" altLang="en-US" sz="3600" dirty="0" smtClean="0"/>
+              <a:rPr lang="ja-JP" altLang="en-US" sz="4000" dirty="0" smtClean="0"/>
               <a:t>統計を取った．</a:t>
             </a:r>
-            <a:endParaRPr kumimoji="1" lang="ja-JP" altLang="en-US" sz="3600" dirty="0"/>
+            <a:endParaRPr kumimoji="1" lang="ja-JP" altLang="en-US" sz="4000" dirty="0"/>
           </a:p>
         </p:txBody>
       </p:sp>
@@ -5553,7 +5584,7 @@
         </p:nvSpPr>
         <p:spPr>
           <a:xfrm>
-            <a:off x="10863164" y="22514615"/>
+            <a:off x="10863164" y="22430308"/>
             <a:ext cx="9767340" cy="2589931"/>
           </a:xfrm>
           <a:prstGeom prst="roundRect">
@@ -5599,8 +5630,8 @@
         </p:nvSpPr>
         <p:spPr>
           <a:xfrm>
-            <a:off x="11313719" y="22943809"/>
-            <a:ext cx="8857249" cy="1754326"/>
+            <a:off x="11313719" y="22754367"/>
+            <a:ext cx="8857249" cy="1938992"/>
           </a:xfrm>
           <a:prstGeom prst="rect">
             <a:avLst/>
@@ -5614,17 +5645,17 @@
           <a:lstStyle/>
           <a:p>
             <a:r>
-              <a:rPr kumimoji="1" lang="ja-JP" altLang="en-US" sz="3600" dirty="0" smtClean="0"/>
+              <a:rPr kumimoji="1" lang="ja-JP" altLang="en-US" sz="4000" dirty="0" smtClean="0"/>
               <a:t>データの量が少なすぎたため，多くの</a:t>
             </a:r>
-            <a:endParaRPr kumimoji="1" lang="en-US" altLang="ja-JP" sz="3600" dirty="0" smtClean="0"/>
-          </a:p>
-          <a:p>
-            <a:r>
-              <a:rPr kumimoji="1" lang="ja-JP" altLang="en-US" sz="3600" dirty="0" smtClean="0"/>
+            <a:endParaRPr kumimoji="1" lang="en-US" altLang="ja-JP" sz="4000" dirty="0" smtClean="0"/>
+          </a:p>
+          <a:p>
+            <a:r>
+              <a:rPr kumimoji="1" lang="ja-JP" altLang="en-US" sz="4000" dirty="0" smtClean="0"/>
               <a:t>炎上ツイートをリツイートしているユーザの特定には至らなかった．</a:t>
             </a:r>
-            <a:endParaRPr kumimoji="1" lang="ja-JP" altLang="en-US" sz="3600" dirty="0"/>
+            <a:endParaRPr kumimoji="1" lang="ja-JP" altLang="en-US" sz="4000" dirty="0"/>
           </a:p>
         </p:txBody>
       </p:sp>

--- a/課題研究/2015/辻岡大知/1342081 ポスター.pptx
+++ b/課題研究/2015/辻岡大知/1342081 ポスター.pptx
@@ -4062,11 +4062,7 @@
             </a:r>
             <a:r>
               <a:rPr kumimoji="1" lang="ja-JP" altLang="en-US" sz="4000" dirty="0" smtClean="0"/>
-              <a:t>で</a:t>
-            </a:r>
-            <a:r>
-              <a:rPr kumimoji="1" lang="ja-JP" altLang="en-US" sz="4000" dirty="0" smtClean="0"/>
-              <a:t>は悪質な投稿がされ，</a:t>
+              <a:t>では悪質な投稿がされ，</a:t>
             </a:r>
             <a:endParaRPr kumimoji="1" lang="en-US" altLang="ja-JP" sz="4000" dirty="0" smtClean="0"/>
           </a:p>
@@ -4449,11 +4445,7 @@
             </a:r>
             <a:r>
               <a:rPr kumimoji="1" lang="ja-JP" altLang="en-US" sz="4000" dirty="0" smtClean="0"/>
-              <a:t>ツイートをリツイートしている</a:t>
-            </a:r>
-            <a:r>
-              <a:rPr kumimoji="1" lang="ja-JP" altLang="en-US" sz="4000" dirty="0" smtClean="0"/>
-              <a:t>ユーザを特定</a:t>
+              <a:t>ツイートをリツイートしているユーザを特定</a:t>
             </a:r>
             <a:r>
               <a:rPr lang="ja-JP" altLang="en-US" sz="4000" dirty="0" smtClean="0"/>
@@ -4614,8 +4606,8 @@
           </p:nvSpPr>
           <p:spPr>
             <a:xfrm>
-              <a:off x="931284" y="16455076"/>
-              <a:ext cx="11981791" cy="1380003"/>
+              <a:off x="931284" y="16701867"/>
+              <a:ext cx="11981791" cy="1133211"/>
             </a:xfrm>
             <a:prstGeom prst="roundRect">
               <a:avLst/>
@@ -4655,8 +4647,8 @@
           </p:nvSpPr>
           <p:spPr>
             <a:xfrm>
-              <a:off x="1341643" y="16727840"/>
-              <a:ext cx="10955112" cy="836368"/>
+              <a:off x="1365068" y="17070033"/>
+              <a:ext cx="11372267" cy="491982"/>
             </a:xfrm>
             <a:prstGeom prst="rect">
               <a:avLst/>
@@ -4670,25 +4662,26 @@
             <a:lstStyle/>
             <a:p>
               <a:r>
-                <a:rPr kumimoji="1" lang="ja-JP" altLang="en-US" sz="4800" dirty="0" smtClean="0"/>
-                <a:t>集めたデータを</a:t>
+                <a:rPr kumimoji="1" lang="ja-JP" altLang="en-US" sz="5400" dirty="0" smtClean="0"/>
+                <a:t>集めた</a:t>
               </a:r>
               <a:r>
-                <a:rPr kumimoji="1" lang="en-US" altLang="ja-JP" sz="4800" dirty="0" smtClean="0"/>
-                <a:t>excel</a:t>
+                <a:rPr kumimoji="1" lang="ja-JP" altLang="en-US" sz="5400" dirty="0" smtClean="0"/>
+                <a:t>データ</a:t>
               </a:r>
               <a:r>
-                <a:rPr kumimoji="1" lang="ja-JP" altLang="en-US" sz="4800" dirty="0" smtClean="0"/>
-                <a:t>に表示し，</a:t>
+                <a:rPr lang="ja-JP" altLang="en-US" sz="5400" dirty="0"/>
+                <a:t>で</a:t>
               </a:r>
-              <a:endParaRPr kumimoji="1" lang="en-US" altLang="ja-JP" sz="4800" dirty="0" smtClean="0"/>
-            </a:p>
-            <a:p>
               <a:r>
-                <a:rPr kumimoji="1" lang="ja-JP" altLang="en-US" sz="4800" dirty="0" smtClean="0"/>
-                <a:t>統計を取る．</a:t>
+                <a:rPr kumimoji="1" lang="ja-JP" altLang="en-US" sz="5400" dirty="0" smtClean="0"/>
+                <a:t>統計</a:t>
               </a:r>
-              <a:endParaRPr kumimoji="1" lang="ja-JP" altLang="en-US" sz="4800" dirty="0"/>
+              <a:r>
+                <a:rPr kumimoji="1" lang="ja-JP" altLang="en-US" sz="5400" dirty="0" smtClean="0"/>
+                <a:t>を取る．</a:t>
+              </a:r>
+              <a:endParaRPr kumimoji="1" lang="ja-JP" altLang="en-US" sz="5400" dirty="0"/>
             </a:p>
           </p:txBody>
         </p:sp>
@@ -5268,11 +5261,7 @@
             </a:r>
             <a:r>
               <a:rPr kumimoji="1" lang="ja-JP" altLang="en-US" sz="4000" dirty="0" smtClean="0"/>
-              <a:t>自動</a:t>
-            </a:r>
-            <a:r>
-              <a:rPr kumimoji="1" lang="ja-JP" altLang="en-US" sz="4000" dirty="0" smtClean="0"/>
-              <a:t>で炎上ツイートを取得できるようにする</a:t>
+              <a:t>自動で炎上ツイートを取得できるようにする</a:t>
             </a:r>
             <a:r>
               <a:rPr lang="ja-JP" altLang="en-US" sz="4000" dirty="0" smtClean="0"/>
@@ -5287,11 +5276,7 @@
             </a:r>
             <a:r>
               <a:rPr lang="ja-JP" altLang="en-US" sz="4000" dirty="0" smtClean="0"/>
-              <a:t>多く</a:t>
-            </a:r>
-            <a:r>
-              <a:rPr lang="ja-JP" altLang="en-US" sz="4000" dirty="0" smtClean="0"/>
-              <a:t>の炎上をリツイートしているユーザの特定をする．</a:t>
+              <a:t>多くの炎上をリツイートしているユーザの特定をする．</a:t>
             </a:r>
             <a:endParaRPr lang="en-US" altLang="ja-JP" sz="4000" dirty="0" smtClean="0"/>
           </a:p>
@@ -5302,11 +5287,7 @@
             </a:r>
             <a:r>
               <a:rPr kumimoji="1" lang="ja-JP" altLang="en-US" sz="4000" dirty="0" smtClean="0"/>
-              <a:t>論文</a:t>
-            </a:r>
-            <a:r>
-              <a:rPr kumimoji="1" lang="ja-JP" altLang="en-US" sz="4000" dirty="0" smtClean="0"/>
-              <a:t>の執筆を行う．</a:t>
+              <a:t>論文の執筆を行う．</a:t>
             </a:r>
             <a:endParaRPr kumimoji="1" lang="en-US" altLang="ja-JP" sz="4000" dirty="0" smtClean="0"/>
           </a:p>
@@ -5467,22 +5448,14 @@
             </a:r>
             <a:r>
               <a:rPr kumimoji="1" lang="ja-JP" altLang="en-US" sz="4000" dirty="0" smtClean="0"/>
-              <a:t>を使用できるプログラム</a:t>
-            </a:r>
+              <a:t>を使用できるプログラムを</a:t>
+            </a:r>
+            <a:endParaRPr kumimoji="1" lang="en-US" altLang="ja-JP" sz="4000" dirty="0" smtClean="0"/>
+          </a:p>
+          <a:p>
             <a:r>
               <a:rPr kumimoji="1" lang="ja-JP" altLang="en-US" sz="4000" dirty="0" smtClean="0"/>
-              <a:t>を</a:t>
-            </a:r>
-            <a:endParaRPr kumimoji="1" lang="en-US" altLang="ja-JP" sz="4000" dirty="0" smtClean="0"/>
-          </a:p>
-          <a:p>
-            <a:r>
-              <a:rPr kumimoji="1" lang="ja-JP" altLang="en-US" sz="4000" dirty="0" smtClean="0"/>
-              <a:t>作成</a:t>
-            </a:r>
-            <a:r>
-              <a:rPr kumimoji="1" lang="ja-JP" altLang="en-US" sz="4000" dirty="0" smtClean="0"/>
-              <a:t>した．</a:t>
+              <a:t>作成した．</a:t>
             </a:r>
             <a:endParaRPr kumimoji="1" lang="ja-JP" altLang="en-US" sz="4000" dirty="0"/>
           </a:p>
@@ -5708,7 +5681,7 @@
         <p:spPr>
           <a:xfrm>
             <a:off x="3552841" y="21588005"/>
-            <a:ext cx="2808312" cy="695200"/>
+            <a:ext cx="2808312" cy="1270574"/>
           </a:xfrm>
           <a:prstGeom prst="downArrow">
             <a:avLst/>
